--- a/book/docs/slides/L02/figures/git_stages.pptx
+++ b/book/docs/slides/L02/figures/git_stages.pptx
@@ -255,7 +255,7 @@
           <a:p>
             <a:fld id="{650B32A8-52AD-3644-9223-FB7B36EC2D31}" type="datetimeFigureOut">
               <a:rPr lang="en-US" smtClean="0"/>
-              <a:t>8/16/21</a:t>
+              <a:t>8/25/21</a:t>
             </a:fld>
             <a:endParaRPr lang="en-US"/>
           </a:p>
@@ -425,7 +425,7 @@
           <a:p>
             <a:fld id="{650B32A8-52AD-3644-9223-FB7B36EC2D31}" type="datetimeFigureOut">
               <a:rPr lang="en-US" smtClean="0"/>
-              <a:t>8/16/21</a:t>
+              <a:t>8/25/21</a:t>
             </a:fld>
             <a:endParaRPr lang="en-US"/>
           </a:p>
@@ -605,7 +605,7 @@
           <a:p>
             <a:fld id="{650B32A8-52AD-3644-9223-FB7B36EC2D31}" type="datetimeFigureOut">
               <a:rPr lang="en-US" smtClean="0"/>
-              <a:t>8/16/21</a:t>
+              <a:t>8/25/21</a:t>
             </a:fld>
             <a:endParaRPr lang="en-US"/>
           </a:p>
@@ -775,7 +775,7 @@
           <a:p>
             <a:fld id="{650B32A8-52AD-3644-9223-FB7B36EC2D31}" type="datetimeFigureOut">
               <a:rPr lang="en-US" smtClean="0"/>
-              <a:t>8/16/21</a:t>
+              <a:t>8/25/21</a:t>
             </a:fld>
             <a:endParaRPr lang="en-US"/>
           </a:p>
@@ -1021,7 +1021,7 @@
           <a:p>
             <a:fld id="{650B32A8-52AD-3644-9223-FB7B36EC2D31}" type="datetimeFigureOut">
               <a:rPr lang="en-US" smtClean="0"/>
-              <a:t>8/16/21</a:t>
+              <a:t>8/25/21</a:t>
             </a:fld>
             <a:endParaRPr lang="en-US"/>
           </a:p>
@@ -1253,7 +1253,7 @@
           <a:p>
             <a:fld id="{650B32A8-52AD-3644-9223-FB7B36EC2D31}" type="datetimeFigureOut">
               <a:rPr lang="en-US" smtClean="0"/>
-              <a:t>8/16/21</a:t>
+              <a:t>8/25/21</a:t>
             </a:fld>
             <a:endParaRPr lang="en-US"/>
           </a:p>
@@ -1620,7 +1620,7 @@
           <a:p>
             <a:fld id="{650B32A8-52AD-3644-9223-FB7B36EC2D31}" type="datetimeFigureOut">
               <a:rPr lang="en-US" smtClean="0"/>
-              <a:t>8/16/21</a:t>
+              <a:t>8/25/21</a:t>
             </a:fld>
             <a:endParaRPr lang="en-US"/>
           </a:p>
@@ -1738,7 +1738,7 @@
           <a:p>
             <a:fld id="{650B32A8-52AD-3644-9223-FB7B36EC2D31}" type="datetimeFigureOut">
               <a:rPr lang="en-US" smtClean="0"/>
-              <a:t>8/16/21</a:t>
+              <a:t>8/25/21</a:t>
             </a:fld>
             <a:endParaRPr lang="en-US"/>
           </a:p>
@@ -1833,7 +1833,7 @@
           <a:p>
             <a:fld id="{650B32A8-52AD-3644-9223-FB7B36EC2D31}" type="datetimeFigureOut">
               <a:rPr lang="en-US" smtClean="0"/>
-              <a:t>8/16/21</a:t>
+              <a:t>8/25/21</a:t>
             </a:fld>
             <a:endParaRPr lang="en-US"/>
           </a:p>
@@ -2110,7 +2110,7 @@
           <a:p>
             <a:fld id="{650B32A8-52AD-3644-9223-FB7B36EC2D31}" type="datetimeFigureOut">
               <a:rPr lang="en-US" smtClean="0"/>
-              <a:t>8/16/21</a:t>
+              <a:t>8/25/21</a:t>
             </a:fld>
             <a:endParaRPr lang="en-US"/>
           </a:p>
@@ -2367,7 +2367,7 @@
           <a:p>
             <a:fld id="{650B32A8-52AD-3644-9223-FB7B36EC2D31}" type="datetimeFigureOut">
               <a:rPr lang="en-US" smtClean="0"/>
-              <a:t>8/16/21</a:t>
+              <a:t>8/25/21</a:t>
             </a:fld>
             <a:endParaRPr lang="en-US"/>
           </a:p>
@@ -2580,7 +2580,7 @@
           <a:p>
             <a:fld id="{650B32A8-52AD-3644-9223-FB7B36EC2D31}" type="datetimeFigureOut">
               <a:rPr lang="en-US" smtClean="0"/>
-              <a:t>8/16/21</a:t>
+              <a:t>8/25/21</a:t>
             </a:fld>
             <a:endParaRPr lang="en-US"/>
           </a:p>
@@ -8932,7 +8932,7 @@
         </p:nvSpPr>
         <p:spPr>
           <a:xfrm>
-            <a:off x="3015835" y="3413896"/>
+            <a:off x="1818893" y="3413896"/>
             <a:ext cx="1254033" cy="365472"/>
           </a:xfrm>
           <a:prstGeom prst="rect">
@@ -9025,8 +9025,8 @@
         </p:nvCxnSpPr>
         <p:spPr>
           <a:xfrm flipH="1">
-            <a:off x="3642856" y="1101700"/>
-            <a:ext cx="1" cy="1202032"/>
+            <a:off x="3642858" y="1101700"/>
+            <a:ext cx="1" cy="2919047"/>
           </a:xfrm>
           <a:prstGeom prst="line">
             <a:avLst/>
@@ -9098,14 +9098,13 @@
           </p:cNvPr>
           <p:cNvCxnSpPr>
             <a:cxnSpLocks/>
-            <a:stCxn id="7" idx="3"/>
           </p:cNvCxnSpPr>
           <p:nvPr/>
         </p:nvCxnSpPr>
         <p:spPr>
           <a:xfrm>
-            <a:off x="4269868" y="3596632"/>
-            <a:ext cx="1750427" cy="0"/>
+            <a:off x="2944238" y="3596632"/>
+            <a:ext cx="698614" cy="0"/>
           </a:xfrm>
           <a:prstGeom prst="straightConnector1">
             <a:avLst/>
@@ -9232,14 +9231,13 @@
           </p:cNvPr>
           <p:cNvCxnSpPr>
             <a:cxnSpLocks/>
-            <a:stCxn id="7" idx="1"/>
           </p:cNvCxnSpPr>
           <p:nvPr/>
         </p:nvCxnSpPr>
         <p:spPr>
           <a:xfrm flipH="1">
             <a:off x="1167445" y="3596632"/>
-            <a:ext cx="1848390" cy="0"/>
+            <a:ext cx="602989" cy="0"/>
           </a:xfrm>
           <a:prstGeom prst="straightConnector1">
             <a:avLst/>
